--- a/Education/Ramen/docs/オブジェクト指向ハンズオン.pptx
+++ b/Education/Ramen/docs/オブジェクト指向ハンズオン.pptx
@@ -7,6 +7,9 @@
   <p:sldIdLst>
     <p:sldId id="256" r:id="rId2"/>
     <p:sldId id="257" r:id="rId3"/>
+    <p:sldId id="259" r:id="rId4"/>
+    <p:sldId id="261" r:id="rId5"/>
+    <p:sldId id="260" r:id="rId6"/>
   </p:sldIdLst>
   <p:sldSz cx="12192000" cy="6858000"/>
   <p:notesSz cx="6858000" cy="9144000"/>
@@ -3934,7 +3937,7 @@
         </p:nvSpPr>
         <p:spPr>
           <a:xfrm>
-            <a:off x="838200" y="365125"/>
+            <a:off x="838200" y="0"/>
             <a:ext cx="10515600" cy="1325563"/>
           </a:xfrm>
         </p:spPr>
@@ -4013,6 +4016,333 @@
     <p:extLst>
       <p:ext uri="{BB962C8B-B14F-4D97-AF65-F5344CB8AC3E}">
         <p14:creationId xmlns:p14="http://schemas.microsoft.com/office/powerpoint/2010/main" val="787156635"/>
+      </p:ext>
+    </p:extLst>
+  </p:cSld>
+  <p:clrMapOvr>
+    <a:masterClrMapping/>
+  </p:clrMapOvr>
+</p:sld>
+</file>
+
+<file path=ppt/slides/slide3.xml><?xml version="1.0" encoding="utf-8"?>
+<p:sld xmlns:a="http://schemas.openxmlformats.org/drawingml/2006/main" xmlns:r="http://schemas.openxmlformats.org/officeDocument/2006/relationships" xmlns:p="http://schemas.openxmlformats.org/presentationml/2006/main">
+  <p:cSld>
+    <p:spTree>
+      <p:nvGrpSpPr>
+        <p:cNvPr id="1" name=""/>
+        <p:cNvGrpSpPr/>
+        <p:nvPr/>
+      </p:nvGrpSpPr>
+      <p:grpSpPr>
+        <a:xfrm>
+          <a:off x="0" y="0"/>
+          <a:ext cx="0" cy="0"/>
+          <a:chOff x="0" y="0"/>
+          <a:chExt cx="0" cy="0"/>
+        </a:xfrm>
+      </p:grpSpPr>
+      <p:sp>
+        <p:nvSpPr>
+          <p:cNvPr id="2" name="タイトル 1">
+            <a:extLst>
+              <a:ext uri="{FF2B5EF4-FFF2-40B4-BE49-F238E27FC236}">
+                <a16:creationId xmlns:a16="http://schemas.microsoft.com/office/drawing/2014/main" id="{B745975D-EC58-4F2C-B964-44D574E18235}"/>
+              </a:ext>
+            </a:extLst>
+          </p:cNvPr>
+          <p:cNvSpPr>
+            <a:spLocks noGrp="1"/>
+          </p:cNvSpPr>
+          <p:nvPr>
+            <p:ph type="title"/>
+          </p:nvPr>
+        </p:nvSpPr>
+        <p:spPr>
+          <a:xfrm>
+            <a:off x="838200" y="0"/>
+            <a:ext cx="10515600" cy="1325563"/>
+          </a:xfrm>
+        </p:spPr>
+        <p:txBody>
+          <a:bodyPr/>
+          <a:lstStyle/>
+          <a:p>
+            <a:r>
+              <a:rPr kumimoji="1" lang="ja-JP" altLang="en-US" dirty="0"/>
+              <a:t>課題の</a:t>
+            </a:r>
+            <a:r>
+              <a:rPr kumimoji="1" lang="en-US" altLang="ja-JP" dirty="0"/>
+              <a:t>UML (</a:t>
+            </a:r>
+            <a:r>
+              <a:rPr lang="ja-JP" altLang="en-US" dirty="0"/>
+              <a:t>シーケンス</a:t>
+            </a:r>
+            <a:r>
+              <a:rPr kumimoji="1" lang="ja-JP" altLang="en-US" dirty="0"/>
+              <a:t>図</a:t>
+            </a:r>
+            <a:r>
+              <a:rPr kumimoji="1" lang="en-US" altLang="ja-JP" dirty="0"/>
+              <a:t>)</a:t>
+            </a:r>
+            <a:endParaRPr kumimoji="1" lang="ja-JP" altLang="en-US" dirty="0"/>
+          </a:p>
+        </p:txBody>
+      </p:sp>
+      <p:pic>
+        <p:nvPicPr>
+          <p:cNvPr id="3074" name="Picture 2" descr="https://www.plantuml.com/plantuml/img/XL91IyCm6BtdLuITB7GmaI68Z44FNaH4_GEXYrjnQqgNAJis0Hbwq8FWGL14XQaewWJP4F_CnzJz2zCigosEUVloyjxxqlTQRd8IybQZZaVxrvylVP2t8Dz1NeBiWNYBP_6iv_xmh8SGSJaByNh8gY5fe41fFTSBYC-nKwFR6M2pnjgj3TAWVWPUOwnIfracQmKPO8knmFEhUfstIpXDDY8tfF5PRpCWpfVq6IzXd-xDMLDmXx4TTO4gzAzZWcXFf1LAENwdySnzlJwD1eESZHSA1IlXn0-VC4n-eg_pErNK-JJLVDA43J82UQNZLI7Vg4495eip-BeHUQvenHcsqGL47n2T_BTU745q22BIl1bsZo0E36SIVQhN98S4CifnUBOEoCQhNfCl6-kIXQRBLYXtI9s5xRYdf9FKCfIYvt-h7HvtlhiT4FSW7q3UgIGpDQSDKl2uwpBrA-hV_m40">
+            <a:extLst>
+              <a:ext uri="{FF2B5EF4-FFF2-40B4-BE49-F238E27FC236}">
+                <a16:creationId xmlns:a16="http://schemas.microsoft.com/office/drawing/2014/main" id="{DA325432-5F94-4B26-9DCC-6271D4634B8B}"/>
+              </a:ext>
+            </a:extLst>
+          </p:cNvPr>
+          <p:cNvPicPr>
+            <a:picLocks noChangeAspect="1" noChangeArrowheads="1"/>
+          </p:cNvPicPr>
+          <p:nvPr/>
+        </p:nvPicPr>
+        <p:blipFill>
+          <a:blip r:embed="rId2">
+            <a:extLst>
+              <a:ext uri="{28A0092B-C50C-407E-A947-70E740481C1C}">
+                <a14:useLocalDpi xmlns:a14="http://schemas.microsoft.com/office/drawing/2010/main" val="0"/>
+              </a:ext>
+            </a:extLst>
+          </a:blip>
+          <a:srcRect/>
+          <a:stretch>
+            <a:fillRect/>
+          </a:stretch>
+        </p:blipFill>
+        <p:spPr bwMode="auto">
+          <a:xfrm>
+            <a:off x="2428269" y="1160838"/>
+            <a:ext cx="6886575" cy="5467350"/>
+          </a:xfrm>
+          <a:prstGeom prst="rect">
+            <a:avLst/>
+          </a:prstGeom>
+          <a:noFill/>
+          <a:extLst>
+            <a:ext uri="{909E8E84-426E-40DD-AFC4-6F175D3DCCD1}">
+              <a14:hiddenFill xmlns:a14="http://schemas.microsoft.com/office/drawing/2010/main">
+                <a:solidFill>
+                  <a:srgbClr val="FFFFFF"/>
+                </a:solidFill>
+              </a14:hiddenFill>
+            </a:ext>
+          </a:extLst>
+        </p:spPr>
+      </p:pic>
+    </p:spTree>
+    <p:extLst>
+      <p:ext uri="{BB962C8B-B14F-4D97-AF65-F5344CB8AC3E}">
+        <p14:creationId xmlns:p14="http://schemas.microsoft.com/office/powerpoint/2010/main" val="2342181749"/>
+      </p:ext>
+    </p:extLst>
+  </p:cSld>
+  <p:clrMapOvr>
+    <a:masterClrMapping/>
+  </p:clrMapOvr>
+</p:sld>
+</file>
+
+<file path=ppt/slides/slide4.xml><?xml version="1.0" encoding="utf-8"?>
+<p:sld xmlns:a="http://schemas.openxmlformats.org/drawingml/2006/main" xmlns:r="http://schemas.openxmlformats.org/officeDocument/2006/relationships" xmlns:p="http://schemas.openxmlformats.org/presentationml/2006/main">
+  <p:cSld>
+    <p:spTree>
+      <p:nvGrpSpPr>
+        <p:cNvPr id="1" name=""/>
+        <p:cNvGrpSpPr/>
+        <p:nvPr/>
+      </p:nvGrpSpPr>
+      <p:grpSpPr>
+        <a:xfrm>
+          <a:off x="0" y="0"/>
+          <a:ext cx="0" cy="0"/>
+          <a:chOff x="0" y="0"/>
+          <a:chExt cx="0" cy="0"/>
+        </a:xfrm>
+      </p:grpSpPr>
+      <p:sp>
+        <p:nvSpPr>
+          <p:cNvPr id="2" name="タイトル 1">
+            <a:extLst>
+              <a:ext uri="{FF2B5EF4-FFF2-40B4-BE49-F238E27FC236}">
+                <a16:creationId xmlns:a16="http://schemas.microsoft.com/office/drawing/2014/main" id="{B745975D-EC58-4F2C-B964-44D574E18235}"/>
+              </a:ext>
+            </a:extLst>
+          </p:cNvPr>
+          <p:cNvSpPr>
+            <a:spLocks noGrp="1"/>
+          </p:cNvSpPr>
+          <p:nvPr>
+            <p:ph type="title"/>
+          </p:nvPr>
+        </p:nvSpPr>
+        <p:spPr>
+          <a:xfrm>
+            <a:off x="609600" y="1911928"/>
+            <a:ext cx="10972800" cy="2165148"/>
+          </a:xfrm>
+        </p:spPr>
+        <p:txBody>
+          <a:bodyPr/>
+          <a:lstStyle/>
+          <a:p>
+            <a:r>
+              <a:rPr kumimoji="1" lang="en-US" altLang="ja-JP" b="1" dirty="0"/>
+              <a:t>2020</a:t>
+            </a:r>
+            <a:r>
+              <a:rPr kumimoji="1" lang="ja-JP" altLang="en-US" b="1" dirty="0"/>
+              <a:t>年の抱負：</a:t>
+            </a:r>
+            <a:br>
+              <a:rPr kumimoji="1" lang="en-US" altLang="ja-JP" b="1" dirty="0"/>
+            </a:br>
+            <a:r>
+              <a:rPr kumimoji="1" lang="ja-JP" altLang="en-US" b="1" dirty="0"/>
+              <a:t>　</a:t>
+            </a:r>
+            <a:r>
+              <a:rPr kumimoji="1" lang="en-US" altLang="ja-JP" b="1" dirty="0"/>
+              <a:t>1</a:t>
+            </a:r>
+            <a:r>
+              <a:rPr kumimoji="1" lang="ja-JP" altLang="en-US" b="1" dirty="0"/>
+              <a:t>年間、毎日</a:t>
+            </a:r>
+            <a:r>
+              <a:rPr kumimoji="1" lang="ja-JP" altLang="en-US" b="1"/>
+              <a:t>違うラーメンを食べたい</a:t>
+            </a:r>
+            <a:r>
+              <a:rPr kumimoji="1" lang="ja-JP" altLang="en-US" b="1" dirty="0"/>
+              <a:t>！</a:t>
+            </a:r>
+          </a:p>
+        </p:txBody>
+      </p:sp>
+    </p:spTree>
+    <p:extLst>
+      <p:ext uri="{BB962C8B-B14F-4D97-AF65-F5344CB8AC3E}">
+        <p14:creationId xmlns:p14="http://schemas.microsoft.com/office/powerpoint/2010/main" val="860018"/>
+      </p:ext>
+    </p:extLst>
+  </p:cSld>
+  <p:clrMapOvr>
+    <a:masterClrMapping/>
+  </p:clrMapOvr>
+</p:sld>
+</file>
+
+<file path=ppt/slides/slide5.xml><?xml version="1.0" encoding="utf-8"?>
+<p:sld xmlns:a="http://schemas.openxmlformats.org/drawingml/2006/main" xmlns:r="http://schemas.openxmlformats.org/officeDocument/2006/relationships" xmlns:p="http://schemas.openxmlformats.org/presentationml/2006/main">
+  <p:cSld>
+    <p:spTree>
+      <p:nvGrpSpPr>
+        <p:cNvPr id="1" name=""/>
+        <p:cNvGrpSpPr/>
+        <p:nvPr/>
+      </p:nvGrpSpPr>
+      <p:grpSpPr>
+        <a:xfrm>
+          <a:off x="0" y="0"/>
+          <a:ext cx="0" cy="0"/>
+          <a:chOff x="0" y="0"/>
+          <a:chExt cx="0" cy="0"/>
+        </a:xfrm>
+      </p:grpSpPr>
+      <p:sp>
+        <p:nvSpPr>
+          <p:cNvPr id="2" name="タイトル 1">
+            <a:extLst>
+              <a:ext uri="{FF2B5EF4-FFF2-40B4-BE49-F238E27FC236}">
+                <a16:creationId xmlns:a16="http://schemas.microsoft.com/office/drawing/2014/main" id="{B745975D-EC58-4F2C-B964-44D574E18235}"/>
+              </a:ext>
+            </a:extLst>
+          </p:cNvPr>
+          <p:cNvSpPr>
+            <a:spLocks noGrp="1"/>
+          </p:cNvSpPr>
+          <p:nvPr>
+            <p:ph type="title"/>
+          </p:nvPr>
+        </p:nvSpPr>
+        <p:spPr>
+          <a:xfrm>
+            <a:off x="838200" y="0"/>
+            <a:ext cx="10515600" cy="1325563"/>
+          </a:xfrm>
+        </p:spPr>
+        <p:txBody>
+          <a:bodyPr/>
+          <a:lstStyle/>
+          <a:p>
+            <a:r>
+              <a:rPr kumimoji="1" lang="ja-JP" altLang="en-US" dirty="0"/>
+              <a:t>よりオブジェクト指向なクラス図</a:t>
+            </a:r>
+          </a:p>
+        </p:txBody>
+      </p:sp>
+      <p:pic>
+        <p:nvPicPr>
+          <p:cNvPr id="4098" name="Picture 2" descr="https://www.plantuml.com/plantuml/img/SoWkIImgAStDuU9ApaaiBbPmpaXDKwZcKb3GLd3Epy_MA4hCJSqBpixCoR5Iy0m2STmIaqloYoerONm5hbekhioyajIYjCJaLAWWp3Y82eXvZYafVldvAJcfC5vmVca1Z1sINr2GcPSEvhgdbZWdvW3jq01Q0ZGPQ07473sz6Ziq2o0cAa1v81DXR9Y9N60lwTgXEb_1Ii5EuKNhrCTDavxrh7_SrFsuiOqBwY4bGoK5NLqm1NKmfWJOxMZ21dfwUKe8Uz7316OpA3H0OGiMrD04-WvL7kvKi1kVx9q3T1tCky4P-PMboAgXuhwPnVbOX9tpY_ASIak0xi1GW64ISkZ25A7hmgQ62xSbm501AiUmciiXDIy5cEO0">
+            <a:extLst>
+              <a:ext uri="{FF2B5EF4-FFF2-40B4-BE49-F238E27FC236}">
+                <a16:creationId xmlns:a16="http://schemas.microsoft.com/office/drawing/2014/main" id="{C543CA09-649D-40E6-8B69-4796A03E2067}"/>
+              </a:ext>
+            </a:extLst>
+          </p:cNvPr>
+          <p:cNvPicPr>
+            <a:picLocks noChangeAspect="1" noChangeArrowheads="1"/>
+          </p:cNvPicPr>
+          <p:nvPr/>
+        </p:nvPicPr>
+        <p:blipFill>
+          <a:blip r:embed="rId2">
+            <a:extLst>
+              <a:ext uri="{28A0092B-C50C-407E-A947-70E740481C1C}">
+                <a14:useLocalDpi xmlns:a14="http://schemas.microsoft.com/office/drawing/2010/main" val="0"/>
+              </a:ext>
+            </a:extLst>
+          </a:blip>
+          <a:srcRect/>
+          <a:stretch>
+            <a:fillRect/>
+          </a:stretch>
+        </p:blipFill>
+        <p:spPr bwMode="auto">
+          <a:xfrm>
+            <a:off x="1610504" y="1535170"/>
+            <a:ext cx="7458075" cy="4352925"/>
+          </a:xfrm>
+          <a:prstGeom prst="rect">
+            <a:avLst/>
+          </a:prstGeom>
+          <a:noFill/>
+          <a:extLst>
+            <a:ext uri="{909E8E84-426E-40DD-AFC4-6F175D3DCCD1}">
+              <a14:hiddenFill xmlns:a14="http://schemas.microsoft.com/office/drawing/2010/main">
+                <a:solidFill>
+                  <a:srgbClr val="FFFFFF"/>
+                </a:solidFill>
+              </a14:hiddenFill>
+            </a:ext>
+          </a:extLst>
+        </p:spPr>
+      </p:pic>
+    </p:spTree>
+    <p:extLst>
+      <p:ext uri="{BB962C8B-B14F-4D97-AF65-F5344CB8AC3E}">
+        <p14:creationId xmlns:p14="http://schemas.microsoft.com/office/powerpoint/2010/main" val="715293071"/>
       </p:ext>
     </p:extLst>
   </p:cSld>

--- a/Education/Ramen/docs/オブジェクト指向ハンズオン.pptx
+++ b/Education/Ramen/docs/オブジェクト指向ハンズオン.pptx
@@ -10,6 +10,11 @@
     <p:sldId id="259" r:id="rId4"/>
     <p:sldId id="261" r:id="rId5"/>
     <p:sldId id="260" r:id="rId6"/>
+    <p:sldId id="265" r:id="rId7"/>
+    <p:sldId id="266" r:id="rId8"/>
+    <p:sldId id="264" r:id="rId9"/>
+    <p:sldId id="262" r:id="rId10"/>
+    <p:sldId id="263" r:id="rId11"/>
   </p:sldIdLst>
   <p:sldSz cx="12192000" cy="6858000"/>
   <p:notesSz cx="6858000" cy="9144000"/>
@@ -108,6 +113,11 @@
       </a:defRPr>
     </a:lvl9pPr>
   </p:defaultTextStyle>
+  <p:extLst>
+    <p:ext uri="{EFAFB233-063F-42B5-8137-9DF3F51BA10A}">
+      <p15:sldGuideLst xmlns:p15="http://schemas.microsoft.com/office/powerpoint/2012/main"/>
+    </p:ext>
+  </p:extLst>
 </p:presentation>
 </file>
 
@@ -258,7 +268,7 @@
           <a:p>
             <a:fld id="{F4C68AB9-4FE4-4089-8D8E-ED70479B18AD}" type="datetimeFigureOut">
               <a:rPr kumimoji="1" lang="ja-JP" altLang="en-US" smtClean="0"/>
-              <a:t>2019/12/5</a:t>
+              <a:t>2019/12/6</a:t>
             </a:fld>
             <a:endParaRPr kumimoji="1" lang="ja-JP" altLang="en-US"/>
           </a:p>
@@ -488,7 +498,7 @@
           <a:p>
             <a:fld id="{F4C68AB9-4FE4-4089-8D8E-ED70479B18AD}" type="datetimeFigureOut">
               <a:rPr kumimoji="1" lang="ja-JP" altLang="en-US" smtClean="0"/>
-              <a:t>2019/12/5</a:t>
+              <a:t>2019/12/6</a:t>
             </a:fld>
             <a:endParaRPr kumimoji="1" lang="ja-JP" altLang="en-US"/>
           </a:p>
@@ -728,7 +738,7 @@
           <a:p>
             <a:fld id="{F4C68AB9-4FE4-4089-8D8E-ED70479B18AD}" type="datetimeFigureOut">
               <a:rPr kumimoji="1" lang="ja-JP" altLang="en-US" smtClean="0"/>
-              <a:t>2019/12/5</a:t>
+              <a:t>2019/12/6</a:t>
             </a:fld>
             <a:endParaRPr kumimoji="1" lang="ja-JP" altLang="en-US"/>
           </a:p>
@@ -958,7 +968,7 @@
           <a:p>
             <a:fld id="{F4C68AB9-4FE4-4089-8D8E-ED70479B18AD}" type="datetimeFigureOut">
               <a:rPr kumimoji="1" lang="ja-JP" altLang="en-US" smtClean="0"/>
-              <a:t>2019/12/5</a:t>
+              <a:t>2019/12/6</a:t>
             </a:fld>
             <a:endParaRPr kumimoji="1" lang="ja-JP" altLang="en-US"/>
           </a:p>
@@ -1233,7 +1243,7 @@
           <a:p>
             <a:fld id="{F4C68AB9-4FE4-4089-8D8E-ED70479B18AD}" type="datetimeFigureOut">
               <a:rPr kumimoji="1" lang="ja-JP" altLang="en-US" smtClean="0"/>
-              <a:t>2019/12/5</a:t>
+              <a:t>2019/12/6</a:t>
             </a:fld>
             <a:endParaRPr kumimoji="1" lang="ja-JP" altLang="en-US"/>
           </a:p>
@@ -1562,7 +1572,7 @@
           <a:p>
             <a:fld id="{F4C68AB9-4FE4-4089-8D8E-ED70479B18AD}" type="datetimeFigureOut">
               <a:rPr kumimoji="1" lang="ja-JP" altLang="en-US" smtClean="0"/>
-              <a:t>2019/12/5</a:t>
+              <a:t>2019/12/6</a:t>
             </a:fld>
             <a:endParaRPr kumimoji="1" lang="ja-JP" altLang="en-US"/>
           </a:p>
@@ -2038,7 +2048,7 @@
           <a:p>
             <a:fld id="{F4C68AB9-4FE4-4089-8D8E-ED70479B18AD}" type="datetimeFigureOut">
               <a:rPr kumimoji="1" lang="ja-JP" altLang="en-US" smtClean="0"/>
-              <a:t>2019/12/5</a:t>
+              <a:t>2019/12/6</a:t>
             </a:fld>
             <a:endParaRPr kumimoji="1" lang="ja-JP" altLang="en-US"/>
           </a:p>
@@ -2179,7 +2189,7 @@
           <a:p>
             <a:fld id="{F4C68AB9-4FE4-4089-8D8E-ED70479B18AD}" type="datetimeFigureOut">
               <a:rPr kumimoji="1" lang="ja-JP" altLang="en-US" smtClean="0"/>
-              <a:t>2019/12/5</a:t>
+              <a:t>2019/12/6</a:t>
             </a:fld>
             <a:endParaRPr kumimoji="1" lang="ja-JP" altLang="en-US"/>
           </a:p>
@@ -2292,7 +2302,7 @@
           <a:p>
             <a:fld id="{F4C68AB9-4FE4-4089-8D8E-ED70479B18AD}" type="datetimeFigureOut">
               <a:rPr kumimoji="1" lang="ja-JP" altLang="en-US" smtClean="0"/>
-              <a:t>2019/12/5</a:t>
+              <a:t>2019/12/6</a:t>
             </a:fld>
             <a:endParaRPr kumimoji="1" lang="ja-JP" altLang="en-US"/>
           </a:p>
@@ -2635,7 +2645,7 @@
           <a:p>
             <a:fld id="{F4C68AB9-4FE4-4089-8D8E-ED70479B18AD}" type="datetimeFigureOut">
               <a:rPr kumimoji="1" lang="ja-JP" altLang="en-US" smtClean="0"/>
-              <a:t>2019/12/5</a:t>
+              <a:t>2019/12/6</a:t>
             </a:fld>
             <a:endParaRPr kumimoji="1" lang="ja-JP" altLang="en-US"/>
           </a:p>
@@ -2923,7 +2933,7 @@
           <a:p>
             <a:fld id="{F4C68AB9-4FE4-4089-8D8E-ED70479B18AD}" type="datetimeFigureOut">
               <a:rPr kumimoji="1" lang="ja-JP" altLang="en-US" smtClean="0"/>
-              <a:t>2019/12/5</a:t>
+              <a:t>2019/12/6</a:t>
             </a:fld>
             <a:endParaRPr kumimoji="1" lang="ja-JP" altLang="en-US"/>
           </a:p>
@@ -3196,7 +3206,7 @@
           <a:p>
             <a:fld id="{F4C68AB9-4FE4-4089-8D8E-ED70479B18AD}" type="datetimeFigureOut">
               <a:rPr kumimoji="1" lang="ja-JP" altLang="en-US" smtClean="0"/>
-              <a:t>2019/12/5</a:t>
+              <a:t>2019/12/6</a:t>
             </a:fld>
             <a:endParaRPr kumimoji="1" lang="ja-JP" altLang="en-US"/>
           </a:p>
@@ -3675,7 +3685,15 @@
           <a:p>
             <a:r>
               <a:rPr kumimoji="1" lang="ja-JP" altLang="en-US" dirty="0"/>
-              <a:t>～　ラーメン作りを体験しよう</a:t>
+              <a:t>～　</a:t>
+            </a:r>
+            <a:r>
+              <a:rPr kumimoji="1" lang="ja-JP" altLang="en-US" sz="3600" dirty="0"/>
+              <a:t>ラーメン作り</a:t>
+            </a:r>
+            <a:r>
+              <a:rPr kumimoji="1" lang="ja-JP" altLang="en-US" dirty="0"/>
+              <a:t>を体験しよう</a:t>
             </a:r>
             <a:r>
               <a:rPr kumimoji="1" lang="en-US" altLang="ja-JP" dirty="0"/>
@@ -3893,6 +3911,110 @@
     <p:extLst>
       <p:ext uri="{BB962C8B-B14F-4D97-AF65-F5344CB8AC3E}">
         <p14:creationId xmlns:p14="http://schemas.microsoft.com/office/powerpoint/2010/main" val="1121991241"/>
+      </p:ext>
+    </p:extLst>
+  </p:cSld>
+  <p:clrMapOvr>
+    <a:masterClrMapping/>
+  </p:clrMapOvr>
+</p:sld>
+</file>
+
+<file path=ppt/slides/slide10.xml><?xml version="1.0" encoding="utf-8"?>
+<p:sld xmlns:a="http://schemas.openxmlformats.org/drawingml/2006/main" xmlns:r="http://schemas.openxmlformats.org/officeDocument/2006/relationships" xmlns:p="http://schemas.openxmlformats.org/presentationml/2006/main">
+  <p:cSld>
+    <p:spTree>
+      <p:nvGrpSpPr>
+        <p:cNvPr id="1" name=""/>
+        <p:cNvGrpSpPr/>
+        <p:nvPr/>
+      </p:nvGrpSpPr>
+      <p:grpSpPr>
+        <a:xfrm>
+          <a:off x="0" y="0"/>
+          <a:ext cx="0" cy="0"/>
+          <a:chOff x="0" y="0"/>
+          <a:chExt cx="0" cy="0"/>
+        </a:xfrm>
+      </p:grpSpPr>
+      <p:sp>
+        <p:nvSpPr>
+          <p:cNvPr id="2" name="タイトル 1">
+            <a:extLst>
+              <a:ext uri="{FF2B5EF4-FFF2-40B4-BE49-F238E27FC236}">
+                <a16:creationId xmlns:a16="http://schemas.microsoft.com/office/drawing/2014/main" id="{B745975D-EC58-4F2C-B964-44D574E18235}"/>
+              </a:ext>
+            </a:extLst>
+          </p:cNvPr>
+          <p:cNvSpPr>
+            <a:spLocks noGrp="1"/>
+          </p:cNvSpPr>
+          <p:nvPr>
+            <p:ph type="title"/>
+          </p:nvPr>
+        </p:nvSpPr>
+        <p:spPr>
+          <a:xfrm>
+            <a:off x="838200" y="0"/>
+            <a:ext cx="10515600" cy="1325563"/>
+          </a:xfrm>
+        </p:spPr>
+        <p:txBody>
+          <a:bodyPr/>
+          <a:lstStyle/>
+          <a:p>
+            <a:r>
+              <a:rPr lang="ja-JP" altLang="en-US" dirty="0"/>
+              <a:t>月に何日かはカレーも食べて</a:t>
+            </a:r>
+            <a:r>
+              <a:rPr lang="en-US" altLang="ja-JP" dirty="0"/>
+              <a:t>OK</a:t>
+            </a:r>
+            <a:endParaRPr kumimoji="1" lang="ja-JP" altLang="en-US" dirty="0"/>
+          </a:p>
+        </p:txBody>
+      </p:sp>
+      <p:pic>
+        <p:nvPicPr>
+          <p:cNvPr id="5" name="図 4">
+            <a:extLst>
+              <a:ext uri="{FF2B5EF4-FFF2-40B4-BE49-F238E27FC236}">
+                <a16:creationId xmlns:a16="http://schemas.microsoft.com/office/drawing/2014/main" id="{5132C1EB-47D0-4075-B451-B4FFF16E8ABA}"/>
+              </a:ext>
+            </a:extLst>
+          </p:cNvPr>
+          <p:cNvPicPr>
+            <a:picLocks noChangeAspect="1"/>
+          </p:cNvPicPr>
+          <p:nvPr/>
+        </p:nvPicPr>
+        <p:blipFill>
+          <a:blip r:embed="rId2">
+            <a:extLst>
+              <a:ext uri="{28A0092B-C50C-407E-A947-70E740481C1C}">
+                <a14:useLocalDpi xmlns:a14="http://schemas.microsoft.com/office/drawing/2010/main" val="0"/>
+              </a:ext>
+            </a:extLst>
+          </a:blip>
+          <a:stretch>
+            <a:fillRect/>
+          </a:stretch>
+        </p:blipFill>
+        <p:spPr>
+          <a:xfrm>
+            <a:off x="1658644" y="1165057"/>
+            <a:ext cx="7272291" cy="5553027"/>
+          </a:xfrm>
+          <a:prstGeom prst="rect">
+            <a:avLst/>
+          </a:prstGeom>
+        </p:spPr>
+      </p:pic>
+    </p:spTree>
+    <p:extLst>
+      <p:ext uri="{BB962C8B-B14F-4D97-AF65-F5344CB8AC3E}">
+        <p14:creationId xmlns:p14="http://schemas.microsoft.com/office/powerpoint/2010/main" val="3245610227"/>
       </p:ext>
     </p:extLst>
   </p:cSld>
@@ -3967,15 +4089,15 @@
       </p:sp>
       <p:pic>
         <p:nvPicPr>
-          <p:cNvPr id="1026" name="Picture 2" descr="醤油ラーメン クラス図.png">
-            <a:extLst>
-              <a:ext uri="{FF2B5EF4-FFF2-40B4-BE49-F238E27FC236}">
-                <a16:creationId xmlns:a16="http://schemas.microsoft.com/office/drawing/2014/main" id="{412069A2-3C8A-49F1-9B6B-A77BADC5725C}"/>
+          <p:cNvPr id="4" name="図 3">
+            <a:extLst>
+              <a:ext uri="{FF2B5EF4-FFF2-40B4-BE49-F238E27FC236}">
+                <a16:creationId xmlns:a16="http://schemas.microsoft.com/office/drawing/2014/main" id="{CF56E36D-BE34-421D-A885-13D0B8A3A9F3}"/>
               </a:ext>
             </a:extLst>
           </p:cNvPr>
           <p:cNvPicPr>
-            <a:picLocks noChangeAspect="1" noChangeArrowheads="1"/>
+            <a:picLocks noChangeAspect="1"/>
           </p:cNvPicPr>
           <p:nvPr/>
         </p:nvPicPr>
@@ -3987,29 +4109,18 @@
               </a:ext>
             </a:extLst>
           </a:blip>
-          <a:srcRect/>
           <a:stretch>
             <a:fillRect/>
           </a:stretch>
         </p:blipFill>
-        <p:spPr bwMode="auto">
+        <p:spPr>
           <a:xfrm>
-            <a:off x="2811346" y="1916599"/>
-            <a:ext cx="6569308" cy="3247072"/>
+            <a:off x="2538964" y="1778676"/>
+            <a:ext cx="7114072" cy="3516338"/>
           </a:xfrm>
           <a:prstGeom prst="rect">
             <a:avLst/>
           </a:prstGeom>
-          <a:noFill/>
-          <a:extLst>
-            <a:ext uri="{909E8E84-426E-40DD-AFC4-6F175D3DCCD1}">
-              <a14:hiddenFill xmlns:a14="http://schemas.microsoft.com/office/drawing/2010/main">
-                <a:solidFill>
-                  <a:srgbClr val="FFFFFF"/>
-                </a:solidFill>
-              </a14:hiddenFill>
-            </a:ext>
-          </a:extLst>
         </p:spPr>
       </p:pic>
     </p:spTree>
@@ -4259,6 +4370,42 @@
           <a:chExt cx="0" cy="0"/>
         </a:xfrm>
       </p:grpSpPr>
+      <p:pic>
+        <p:nvPicPr>
+          <p:cNvPr id="14" name="図 13">
+            <a:extLst>
+              <a:ext uri="{FF2B5EF4-FFF2-40B4-BE49-F238E27FC236}">
+                <a16:creationId xmlns:a16="http://schemas.microsoft.com/office/drawing/2014/main" id="{99FA0149-8F89-4948-940B-04CD82391CA3}"/>
+              </a:ext>
+            </a:extLst>
+          </p:cNvPr>
+          <p:cNvPicPr>
+            <a:picLocks noChangeAspect="1"/>
+          </p:cNvPicPr>
+          <p:nvPr/>
+        </p:nvPicPr>
+        <p:blipFill>
+          <a:blip r:embed="rId2">
+            <a:extLst>
+              <a:ext uri="{28A0092B-C50C-407E-A947-70E740481C1C}">
+                <a14:useLocalDpi xmlns:a14="http://schemas.microsoft.com/office/drawing/2010/main" val="0"/>
+              </a:ext>
+            </a:extLst>
+          </a:blip>
+          <a:stretch>
+            <a:fillRect/>
+          </a:stretch>
+        </p:blipFill>
+        <p:spPr>
+          <a:xfrm>
+            <a:off x="1881077" y="1487010"/>
+            <a:ext cx="8429846" cy="3723613"/>
+          </a:xfrm>
+          <a:prstGeom prst="rect">
+            <a:avLst/>
+          </a:prstGeom>
+        </p:spPr>
+      </p:pic>
       <p:sp>
         <p:nvSpPr>
           <p:cNvPr id="2" name="タイトル 1">
@@ -4287,22 +4434,159 @@
           <a:p>
             <a:r>
               <a:rPr kumimoji="1" lang="ja-JP" altLang="en-US" dirty="0"/>
-              <a:t>よりオブジェクト指向なクラス図</a:t>
-            </a:r>
+              <a:t>普通に </a:t>
+            </a:r>
+            <a:r>
+              <a:rPr kumimoji="1" lang="en-US" altLang="ja-JP" dirty="0"/>
+              <a:t>IF </a:t>
+            </a:r>
+            <a:r>
+              <a:rPr kumimoji="1" lang="ja-JP" altLang="en-US" dirty="0"/>
+              <a:t>文</a:t>
+            </a:r>
+            <a:r>
+              <a:rPr lang="ja-JP" altLang="en-US" dirty="0"/>
+              <a:t>を使うと</a:t>
+            </a:r>
+            <a:r>
+              <a:rPr kumimoji="1" lang="en-US" altLang="ja-JP" dirty="0"/>
+              <a:t>…</a:t>
+            </a:r>
+            <a:endParaRPr kumimoji="1" lang="ja-JP" altLang="en-US" dirty="0"/>
+          </a:p>
+        </p:txBody>
+      </p:sp>
+      <p:sp>
+        <p:nvSpPr>
+          <p:cNvPr id="9" name="爆発: 8 pt 8">
+            <a:extLst>
+              <a:ext uri="{FF2B5EF4-FFF2-40B4-BE49-F238E27FC236}">
+                <a16:creationId xmlns:a16="http://schemas.microsoft.com/office/drawing/2014/main" id="{D5A652CC-D3FC-4405-986C-9ADD3E21D746}"/>
+              </a:ext>
+            </a:extLst>
+          </p:cNvPr>
+          <p:cNvSpPr/>
+          <p:nvPr/>
+        </p:nvSpPr>
+        <p:spPr>
+          <a:xfrm rot="5400000" flipH="1">
+            <a:off x="5185953" y="951305"/>
+            <a:ext cx="1186818" cy="1935333"/>
+          </a:xfrm>
+          <a:prstGeom prst="irregularSeal1">
+            <a:avLst/>
+          </a:prstGeom>
+          <a:noFill/>
+          <a:ln w="57150">
+            <a:solidFill>
+              <a:srgbClr val="FF0000"/>
+            </a:solidFill>
+          </a:ln>
+        </p:spPr>
+        <p:style>
+          <a:lnRef idx="2">
+            <a:schemeClr val="accent1">
+              <a:shade val="50000"/>
+            </a:schemeClr>
+          </a:lnRef>
+          <a:fillRef idx="1">
+            <a:schemeClr val="accent1"/>
+          </a:fillRef>
+          <a:effectRef idx="0">
+            <a:schemeClr val="accent1"/>
+          </a:effectRef>
+          <a:fontRef idx="minor">
+            <a:schemeClr val="lt1"/>
+          </a:fontRef>
+        </p:style>
+        <p:txBody>
+          <a:bodyPr rtlCol="0" anchor="ctr"/>
+          <a:lstStyle/>
+          <a:p>
+            <a:pPr algn="ctr"/>
+            <a:endParaRPr kumimoji="1" lang="ja-JP" altLang="en-US"/>
+          </a:p>
+        </p:txBody>
+      </p:sp>
+    </p:spTree>
+    <p:extLst>
+      <p:ext uri="{BB962C8B-B14F-4D97-AF65-F5344CB8AC3E}">
+        <p14:creationId xmlns:p14="http://schemas.microsoft.com/office/powerpoint/2010/main" val="715293071"/>
+      </p:ext>
+    </p:extLst>
+  </p:cSld>
+  <p:clrMapOvr>
+    <a:masterClrMapping/>
+  </p:clrMapOvr>
+</p:sld>
+</file>
+
+<file path=ppt/slides/slide6.xml><?xml version="1.0" encoding="utf-8"?>
+<p:sld xmlns:a="http://schemas.openxmlformats.org/drawingml/2006/main" xmlns:r="http://schemas.openxmlformats.org/officeDocument/2006/relationships" xmlns:p="http://schemas.openxmlformats.org/presentationml/2006/main">
+  <p:cSld>
+    <p:spTree>
+      <p:nvGrpSpPr>
+        <p:cNvPr id="1" name=""/>
+        <p:cNvGrpSpPr/>
+        <p:nvPr/>
+      </p:nvGrpSpPr>
+      <p:grpSpPr>
+        <a:xfrm>
+          <a:off x="0" y="0"/>
+          <a:ext cx="0" cy="0"/>
+          <a:chOff x="0" y="0"/>
+          <a:chExt cx="0" cy="0"/>
+        </a:xfrm>
+      </p:grpSpPr>
+      <p:sp>
+        <p:nvSpPr>
+          <p:cNvPr id="2" name="タイトル 1">
+            <a:extLst>
+              <a:ext uri="{FF2B5EF4-FFF2-40B4-BE49-F238E27FC236}">
+                <a16:creationId xmlns:a16="http://schemas.microsoft.com/office/drawing/2014/main" id="{B745975D-EC58-4F2C-B964-44D574E18235}"/>
+              </a:ext>
+            </a:extLst>
+          </p:cNvPr>
+          <p:cNvSpPr>
+            <a:spLocks noGrp="1"/>
+          </p:cNvSpPr>
+          <p:nvPr>
+            <p:ph type="title"/>
+          </p:nvPr>
+        </p:nvSpPr>
+        <p:spPr>
+          <a:xfrm>
+            <a:off x="838200" y="0"/>
+            <a:ext cx="10515600" cy="1325563"/>
+          </a:xfrm>
+        </p:spPr>
+        <p:txBody>
+          <a:bodyPr/>
+          <a:lstStyle/>
+          <a:p>
+            <a:r>
+              <a:rPr lang="ja-JP" altLang="en-US" dirty="0"/>
+              <a:t>〇〇ラーメン、はじめました</a:t>
+            </a:r>
+            <a:r>
+              <a:rPr lang="en-US" altLang="ja-JP" dirty="0"/>
+              <a:t>!</a:t>
+            </a:r>
+            <a:endParaRPr kumimoji="1" lang="ja-JP" altLang="en-US" dirty="0"/>
           </a:p>
         </p:txBody>
       </p:sp>
       <p:pic>
         <p:nvPicPr>
-          <p:cNvPr id="4098" name="Picture 2" descr="https://www.plantuml.com/plantuml/img/SoWkIImgAStDuU9ApaaiBbPmpaXDKwZcKb3GLd3Epy_MA4hCJSqBpixCoR5Iy0m2STmIaqloYoerONm5hbekhioyajIYjCJaLAWWp3Y82eXvZYafVldvAJcfC5vmVca1Z1sINr2GcPSEvhgdbZWdvW3jq01Q0ZGPQ07473sz6Ziq2o0cAa1v81DXR9Y9N60lwTgXEb_1Ii5EuKNhrCTDavxrh7_SrFsuiOqBwY4bGoK5NLqm1NKmfWJOxMZ21dfwUKe8Uz7316OpA3H0OGiMrD04-WvL7kvKi1kVx9q3T1tCky4P-PMboAgXuhwPnVbOX9tpY_ASIak0xi1GW64ISkZ25A7hmgQ62xSbm501AiUmciiXDIy5cEO0">
-            <a:extLst>
-              <a:ext uri="{FF2B5EF4-FFF2-40B4-BE49-F238E27FC236}">
-                <a16:creationId xmlns:a16="http://schemas.microsoft.com/office/drawing/2014/main" id="{C543CA09-649D-40E6-8B69-4796A03E2067}"/>
+          <p:cNvPr id="7" name="図 6">
+            <a:extLst>
+              <a:ext uri="{FF2B5EF4-FFF2-40B4-BE49-F238E27FC236}">
+                <a16:creationId xmlns:a16="http://schemas.microsoft.com/office/drawing/2014/main" id="{0F4E70D3-C72F-4D88-930D-B97E1683AD53}"/>
               </a:ext>
             </a:extLst>
           </p:cNvPr>
           <p:cNvPicPr>
-            <a:picLocks noChangeAspect="1" noChangeArrowheads="1"/>
+            <a:picLocks noChangeAspect="1"/>
           </p:cNvPicPr>
           <p:nvPr/>
         </p:nvPicPr>
@@ -4314,35 +4598,313 @@
               </a:ext>
             </a:extLst>
           </a:blip>
-          <a:srcRect/>
           <a:stretch>
             <a:fillRect/>
           </a:stretch>
         </p:blipFill>
-        <p:spPr bwMode="auto">
+        <p:spPr>
           <a:xfrm>
-            <a:off x="1610504" y="1535170"/>
-            <a:ext cx="7458075" cy="4352925"/>
+            <a:off x="638203" y="1467606"/>
+            <a:ext cx="10915593" cy="4521798"/>
           </a:xfrm>
           <a:prstGeom prst="rect">
             <a:avLst/>
           </a:prstGeom>
-          <a:noFill/>
-          <a:extLst>
-            <a:ext uri="{909E8E84-426E-40DD-AFC4-6F175D3DCCD1}">
-              <a14:hiddenFill xmlns:a14="http://schemas.microsoft.com/office/drawing/2010/main">
-                <a:solidFill>
-                  <a:srgbClr val="FFFFFF"/>
-                </a:solidFill>
-              </a14:hiddenFill>
-            </a:ext>
-          </a:extLst>
         </p:spPr>
       </p:pic>
     </p:spTree>
     <p:extLst>
       <p:ext uri="{BB962C8B-B14F-4D97-AF65-F5344CB8AC3E}">
-        <p14:creationId xmlns:p14="http://schemas.microsoft.com/office/powerpoint/2010/main" val="715293071"/>
+        <p14:creationId xmlns:p14="http://schemas.microsoft.com/office/powerpoint/2010/main" val="677286513"/>
+      </p:ext>
+    </p:extLst>
+  </p:cSld>
+  <p:clrMapOvr>
+    <a:masterClrMapping/>
+  </p:clrMapOvr>
+</p:sld>
+</file>
+
+<file path=ppt/slides/slide7.xml><?xml version="1.0" encoding="utf-8"?>
+<p:sld xmlns:a="http://schemas.openxmlformats.org/drawingml/2006/main" xmlns:r="http://schemas.openxmlformats.org/officeDocument/2006/relationships" xmlns:p="http://schemas.openxmlformats.org/presentationml/2006/main">
+  <p:cSld>
+    <p:spTree>
+      <p:nvGrpSpPr>
+        <p:cNvPr id="1" name=""/>
+        <p:cNvGrpSpPr/>
+        <p:nvPr/>
+      </p:nvGrpSpPr>
+      <p:grpSpPr>
+        <a:xfrm>
+          <a:off x="0" y="0"/>
+          <a:ext cx="0" cy="0"/>
+          <a:chOff x="0" y="0"/>
+          <a:chExt cx="0" cy="0"/>
+        </a:xfrm>
+      </p:grpSpPr>
+      <p:sp>
+        <p:nvSpPr>
+          <p:cNvPr id="2" name="タイトル 1">
+            <a:extLst>
+              <a:ext uri="{FF2B5EF4-FFF2-40B4-BE49-F238E27FC236}">
+                <a16:creationId xmlns:a16="http://schemas.microsoft.com/office/drawing/2014/main" id="{B745975D-EC58-4F2C-B964-44D574E18235}"/>
+              </a:ext>
+            </a:extLst>
+          </p:cNvPr>
+          <p:cNvSpPr>
+            <a:spLocks noGrp="1"/>
+          </p:cNvSpPr>
+          <p:nvPr>
+            <p:ph type="title"/>
+          </p:nvPr>
+        </p:nvSpPr>
+        <p:spPr>
+          <a:xfrm>
+            <a:off x="609600" y="1911928"/>
+            <a:ext cx="10972800" cy="2165148"/>
+          </a:xfrm>
+        </p:spPr>
+        <p:txBody>
+          <a:bodyPr/>
+          <a:lstStyle/>
+          <a:p>
+            <a:pPr algn="ctr"/>
+            <a:r>
+              <a:rPr lang="ja-JP" altLang="en-US" b="1" dirty="0"/>
+              <a:t>どちらに転んでも</a:t>
+            </a:r>
+            <a:r>
+              <a:rPr lang="en-US" altLang="ja-JP" b="1" dirty="0"/>
+              <a:t>1</a:t>
+            </a:r>
+            <a:r>
+              <a:rPr lang="ja-JP" altLang="en-US" b="1" dirty="0"/>
+              <a:t>週間で挫折しそう</a:t>
+            </a:r>
+            <a:endParaRPr kumimoji="1" lang="ja-JP" altLang="en-US" b="1" dirty="0"/>
+          </a:p>
+        </p:txBody>
+      </p:sp>
+    </p:spTree>
+    <p:extLst>
+      <p:ext uri="{BB962C8B-B14F-4D97-AF65-F5344CB8AC3E}">
+        <p14:creationId xmlns:p14="http://schemas.microsoft.com/office/powerpoint/2010/main" val="2483440911"/>
+      </p:ext>
+    </p:extLst>
+  </p:cSld>
+  <p:clrMapOvr>
+    <a:masterClrMapping/>
+  </p:clrMapOvr>
+</p:sld>
+</file>
+
+<file path=ppt/slides/slide8.xml><?xml version="1.0" encoding="utf-8"?>
+<p:sld xmlns:a="http://schemas.openxmlformats.org/drawingml/2006/main" xmlns:r="http://schemas.openxmlformats.org/officeDocument/2006/relationships" xmlns:p="http://schemas.openxmlformats.org/presentationml/2006/main">
+  <p:cSld>
+    <p:spTree>
+      <p:nvGrpSpPr>
+        <p:cNvPr id="1" name=""/>
+        <p:cNvGrpSpPr/>
+        <p:nvPr/>
+      </p:nvGrpSpPr>
+      <p:grpSpPr>
+        <a:xfrm>
+          <a:off x="0" y="0"/>
+          <a:ext cx="0" cy="0"/>
+          <a:chOff x="0" y="0"/>
+          <a:chExt cx="0" cy="0"/>
+        </a:xfrm>
+      </p:grpSpPr>
+      <p:sp>
+        <p:nvSpPr>
+          <p:cNvPr id="2" name="タイトル 1">
+            <a:extLst>
+              <a:ext uri="{FF2B5EF4-FFF2-40B4-BE49-F238E27FC236}">
+                <a16:creationId xmlns:a16="http://schemas.microsoft.com/office/drawing/2014/main" id="{B745975D-EC58-4F2C-B964-44D574E18235}"/>
+              </a:ext>
+            </a:extLst>
+          </p:cNvPr>
+          <p:cNvSpPr>
+            <a:spLocks noGrp="1"/>
+          </p:cNvSpPr>
+          <p:nvPr>
+            <p:ph type="title"/>
+          </p:nvPr>
+        </p:nvSpPr>
+        <p:spPr>
+          <a:xfrm>
+            <a:off x="838200" y="0"/>
+            <a:ext cx="10515600" cy="1325563"/>
+          </a:xfrm>
+        </p:spPr>
+        <p:txBody>
+          <a:bodyPr/>
+          <a:lstStyle/>
+          <a:p>
+            <a:r>
+              <a:rPr kumimoji="1" lang="ja-JP" altLang="en-US" dirty="0"/>
+              <a:t>オブジェクト指向</a:t>
+            </a:r>
+            <a:r>
+              <a:rPr lang="ja-JP" altLang="en-US" dirty="0"/>
+              <a:t>を使うと</a:t>
+            </a:r>
+            <a:r>
+              <a:rPr lang="en-US" altLang="ja-JP" dirty="0"/>
+              <a:t>…</a:t>
+            </a:r>
+            <a:endParaRPr kumimoji="1" lang="ja-JP" altLang="en-US" dirty="0"/>
+          </a:p>
+        </p:txBody>
+      </p:sp>
+      <p:pic>
+        <p:nvPicPr>
+          <p:cNvPr id="5" name="図 4">
+            <a:extLst>
+              <a:ext uri="{FF2B5EF4-FFF2-40B4-BE49-F238E27FC236}">
+                <a16:creationId xmlns:a16="http://schemas.microsoft.com/office/drawing/2014/main" id="{4477E70F-A0BB-41A2-B646-E6A97C2542DF}"/>
+              </a:ext>
+            </a:extLst>
+          </p:cNvPr>
+          <p:cNvPicPr>
+            <a:picLocks noChangeAspect="1"/>
+          </p:cNvPicPr>
+          <p:nvPr/>
+        </p:nvPicPr>
+        <p:blipFill>
+          <a:blip r:embed="rId2">
+            <a:extLst>
+              <a:ext uri="{28A0092B-C50C-407E-A947-70E740481C1C}">
+                <a14:useLocalDpi xmlns:a14="http://schemas.microsoft.com/office/drawing/2010/main" val="0"/>
+              </a:ext>
+            </a:extLst>
+          </a:blip>
+          <a:stretch>
+            <a:fillRect/>
+          </a:stretch>
+        </p:blipFill>
+        <p:spPr>
+          <a:xfrm>
+            <a:off x="1605116" y="1440860"/>
+            <a:ext cx="8346958" cy="4793861"/>
+          </a:xfrm>
+          <a:prstGeom prst="rect">
+            <a:avLst/>
+          </a:prstGeom>
+        </p:spPr>
+      </p:pic>
+    </p:spTree>
+    <p:extLst>
+      <p:ext uri="{BB962C8B-B14F-4D97-AF65-F5344CB8AC3E}">
+        <p14:creationId xmlns:p14="http://schemas.microsoft.com/office/powerpoint/2010/main" val="2108991702"/>
+      </p:ext>
+    </p:extLst>
+  </p:cSld>
+  <p:clrMapOvr>
+    <a:masterClrMapping/>
+  </p:clrMapOvr>
+</p:sld>
+</file>
+
+<file path=ppt/slides/slide9.xml><?xml version="1.0" encoding="utf-8"?>
+<p:sld xmlns:a="http://schemas.openxmlformats.org/drawingml/2006/main" xmlns:r="http://schemas.openxmlformats.org/officeDocument/2006/relationships" xmlns:p="http://schemas.openxmlformats.org/presentationml/2006/main">
+  <p:cSld>
+    <p:spTree>
+      <p:nvGrpSpPr>
+        <p:cNvPr id="1" name=""/>
+        <p:cNvGrpSpPr/>
+        <p:nvPr/>
+      </p:nvGrpSpPr>
+      <p:grpSpPr>
+        <a:xfrm>
+          <a:off x="0" y="0"/>
+          <a:ext cx="0" cy="0"/>
+          <a:chOff x="0" y="0"/>
+          <a:chExt cx="0" cy="0"/>
+        </a:xfrm>
+      </p:grpSpPr>
+      <p:sp>
+        <p:nvSpPr>
+          <p:cNvPr id="2" name="タイトル 1">
+            <a:extLst>
+              <a:ext uri="{FF2B5EF4-FFF2-40B4-BE49-F238E27FC236}">
+                <a16:creationId xmlns:a16="http://schemas.microsoft.com/office/drawing/2014/main" id="{B745975D-EC58-4F2C-B964-44D574E18235}"/>
+              </a:ext>
+            </a:extLst>
+          </p:cNvPr>
+          <p:cNvSpPr>
+            <a:spLocks noGrp="1"/>
+          </p:cNvSpPr>
+          <p:nvPr>
+            <p:ph type="title"/>
+          </p:nvPr>
+        </p:nvSpPr>
+        <p:spPr>
+          <a:xfrm>
+            <a:off x="838200" y="0"/>
+            <a:ext cx="10515600" cy="1325563"/>
+          </a:xfrm>
+        </p:spPr>
+        <p:txBody>
+          <a:bodyPr/>
+          <a:lstStyle/>
+          <a:p>
+            <a:r>
+              <a:rPr lang="ja-JP" altLang="en-US" dirty="0"/>
+              <a:t>こんなこともできる</a:t>
+            </a:r>
+            <a:r>
+              <a:rPr lang="en-US" altLang="ja-JP" dirty="0"/>
+              <a:t>!! – </a:t>
+            </a:r>
+            <a:r>
+              <a:rPr lang="ja-JP" altLang="en-US" dirty="0"/>
+              <a:t>継承</a:t>
+            </a:r>
+            <a:endParaRPr kumimoji="1" lang="ja-JP" altLang="en-US" dirty="0"/>
+          </a:p>
+        </p:txBody>
+      </p:sp>
+      <p:pic>
+        <p:nvPicPr>
+          <p:cNvPr id="5" name="図 4">
+            <a:extLst>
+              <a:ext uri="{FF2B5EF4-FFF2-40B4-BE49-F238E27FC236}">
+                <a16:creationId xmlns:a16="http://schemas.microsoft.com/office/drawing/2014/main" id="{D26E3177-13CA-4E0C-A1F6-FFD18F68B280}"/>
+              </a:ext>
+            </a:extLst>
+          </p:cNvPr>
+          <p:cNvPicPr>
+            <a:picLocks noChangeAspect="1"/>
+          </p:cNvPicPr>
+          <p:nvPr/>
+        </p:nvPicPr>
+        <p:blipFill>
+          <a:blip r:embed="rId2">
+            <a:extLst>
+              <a:ext uri="{28A0092B-C50C-407E-A947-70E740481C1C}">
+                <a14:useLocalDpi xmlns:a14="http://schemas.microsoft.com/office/drawing/2010/main" val="0"/>
+              </a:ext>
+            </a:extLst>
+          </a:blip>
+          <a:stretch>
+            <a:fillRect/>
+          </a:stretch>
+        </p:blipFill>
+        <p:spPr>
+          <a:xfrm>
+            <a:off x="1900283" y="1196796"/>
+            <a:ext cx="7137185" cy="5494655"/>
+          </a:xfrm>
+          <a:prstGeom prst="rect">
+            <a:avLst/>
+          </a:prstGeom>
+        </p:spPr>
+      </p:pic>
+    </p:spTree>
+    <p:extLst>
+      <p:ext uri="{BB962C8B-B14F-4D97-AF65-F5344CB8AC3E}">
+        <p14:creationId xmlns:p14="http://schemas.microsoft.com/office/powerpoint/2010/main" val="3207209030"/>
       </p:ext>
     </p:extLst>
   </p:cSld>
